--- a/dis/stat324-spring2023/Second Midterm Review.pptx
+++ b/dis/stat324-spring2023/Second Midterm Review.pptx
@@ -6290,10 +6290,10 @@
                               </m:e>
                               <m:sub>
                                 <m:r>
-                                  <a:rPr lang="en-US" i="1">
-                                    <a:latin typeface="Cambria Math" panose="02040503050406030204" pitchFamily="18" charset="0"/>
-                                  </a:rPr>
-                                  <m:t>𝑥</m:t>
+                                  <a:rPr lang="en-US" b="0" i="1" smtClean="0">
+                                    <a:latin typeface="Cambria Math" panose="02040503050406030204" pitchFamily="18" charset="0"/>
+                                  </a:rPr>
+                                  <m:t>𝑦</m:t>
                                 </m:r>
                               </m:sub>
                               <m:sup>
@@ -6325,10 +6325,10 @@
                               </m:e>
                               <m:sub>
                                 <m:r>
-                                  <a:rPr lang="en-US" i="1">
-                                    <a:latin typeface="Cambria Math" panose="02040503050406030204" pitchFamily="18" charset="0"/>
-                                  </a:rPr>
-                                  <m:t>𝑥</m:t>
+                                  <a:rPr lang="en-US" b="0" i="1" smtClean="0">
+                                    <a:latin typeface="Cambria Math" panose="02040503050406030204" pitchFamily="18" charset="0"/>
+                                  </a:rPr>
+                                  <m:t>𝑦</m:t>
                                 </m:r>
                               </m:sub>
                             </m:sSub>
